--- a/House_Price_Prediction_Zwischenpräsentation.pptx
+++ b/House_Price_Prediction_Zwischenpräsentation.pptx
@@ -7,9 +7,16 @@
   <p:sldIdLst>
     <p:sldId id="256" r:id="rId2"/>
     <p:sldId id="257" r:id="rId3"/>
-    <p:sldId id="258" r:id="rId4"/>
-    <p:sldId id="259" r:id="rId5"/>
-    <p:sldId id="260" r:id="rId6"/>
+    <p:sldId id="259" r:id="rId4"/>
+    <p:sldId id="260" r:id="rId5"/>
+    <p:sldId id="258" r:id="rId6"/>
+    <p:sldId id="265" r:id="rId7"/>
+    <p:sldId id="261" r:id="rId8"/>
+    <p:sldId id="263" r:id="rId9"/>
+    <p:sldId id="266" r:id="rId10"/>
+    <p:sldId id="264" r:id="rId11"/>
+    <p:sldId id="267" r:id="rId12"/>
+    <p:sldId id="262" r:id="rId13"/>
   </p:sldIdLst>
   <p:sldSz cx="12192000" cy="6858000"/>
   <p:notesSz cx="6858000" cy="9144000"/>
@@ -108,51 +115,12 @@
       </a:defRPr>
     </a:lvl9pPr>
   </p:defaultTextStyle>
+  <p:extLst>
+    <p:ext uri="{EFAFB233-063F-42B5-8137-9DF3F51BA10A}">
+      <p15:sldGuideLst xmlns:p15="http://schemas.microsoft.com/office/powerpoint/2012/main"/>
+    </p:ext>
+  </p:extLst>
 </p:presentation>
-</file>
-
-<file path=ppt/changesInfos/changesInfo1.xml><?xml version="1.0" encoding="utf-8"?>
-<pc:chgInfo xmlns:a="http://schemas.openxmlformats.org/drawingml/2006/main" xmlns:r="http://schemas.openxmlformats.org/officeDocument/2006/relationships" xmlns:ac="http://schemas.microsoft.com/office/drawing/2013/main/command" xmlns:pc="http://schemas.microsoft.com/office/powerpoint/2013/main/command">
-  <pc:docChgLst>
-    <pc:chgData name="P. Smith" userId="e168a96639a4093d" providerId="LiveId" clId="{82CDBEBC-A0BB-428A-842F-CE9EFC99FDCC}"/>
-    <pc:docChg chg="custSel modSld">
-      <pc:chgData name="P. Smith" userId="e168a96639a4093d" providerId="LiveId" clId="{82CDBEBC-A0BB-428A-842F-CE9EFC99FDCC}" dt="2021-05-25T08:44:35.653" v="279" actId="113"/>
-      <pc:docMkLst>
-        <pc:docMk/>
-      </pc:docMkLst>
-      <pc:sldChg chg="modSp mod">
-        <pc:chgData name="P. Smith" userId="e168a96639a4093d" providerId="LiveId" clId="{82CDBEBC-A0BB-428A-842F-CE9EFC99FDCC}" dt="2021-05-25T08:44:35.653" v="279" actId="113"/>
-        <pc:sldMkLst>
-          <pc:docMk/>
-          <pc:sldMk cId="89136149" sldId="257"/>
-        </pc:sldMkLst>
-        <pc:spChg chg="mod">
-          <ac:chgData name="P. Smith" userId="e168a96639a4093d" providerId="LiveId" clId="{82CDBEBC-A0BB-428A-842F-CE9EFC99FDCC}" dt="2021-05-25T08:44:35.653" v="279" actId="113"/>
-          <ac:spMkLst>
-            <pc:docMk/>
-            <pc:sldMk cId="89136149" sldId="257"/>
-            <ac:spMk id="3" creationId="{03BB9285-D76E-44D1-A0BF-6022648ED2EC}"/>
-          </ac:spMkLst>
-        </pc:spChg>
-      </pc:sldChg>
-      <pc:sldChg chg="modSp mod">
-        <pc:chgData name="P. Smith" userId="e168a96639a4093d" providerId="LiveId" clId="{82CDBEBC-A0BB-428A-842F-CE9EFC99FDCC}" dt="2021-05-25T08:43:44.178" v="275" actId="20577"/>
-        <pc:sldMkLst>
-          <pc:docMk/>
-          <pc:sldMk cId="3656743739" sldId="260"/>
-        </pc:sldMkLst>
-        <pc:spChg chg="mod">
-          <ac:chgData name="P. Smith" userId="e168a96639a4093d" providerId="LiveId" clId="{82CDBEBC-A0BB-428A-842F-CE9EFC99FDCC}" dt="2021-05-25T08:43:44.178" v="275" actId="20577"/>
-          <ac:spMkLst>
-            <pc:docMk/>
-            <pc:sldMk cId="3656743739" sldId="260"/>
-            <ac:spMk id="3" creationId="{A0B98AD3-75F1-43DD-B1B6-791056E90215}"/>
-          </ac:spMkLst>
-        </pc:spChg>
-      </pc:sldChg>
-    </pc:docChg>
-  </pc:docChgLst>
-</pc:chgInfo>
 </file>
 
 <file path=ppt/slideLayouts/slideLayout1.xml><?xml version="1.0" encoding="utf-8"?>
@@ -302,7 +270,7 @@
           <a:p>
             <a:fld id="{4F355CE7-F8C2-47E4-B159-EEECDB0D3D08}" type="datetimeFigureOut">
               <a:rPr lang="de-DE" smtClean="0"/>
-              <a:t>25.05.2021</a:t>
+              <a:t>01.06.2021</a:t>
             </a:fld>
             <a:endParaRPr lang="de-DE"/>
           </a:p>
@@ -500,7 +468,7 @@
           <a:p>
             <a:fld id="{4F355CE7-F8C2-47E4-B159-EEECDB0D3D08}" type="datetimeFigureOut">
               <a:rPr lang="de-DE" smtClean="0"/>
-              <a:t>25.05.2021</a:t>
+              <a:t>01.06.2021</a:t>
             </a:fld>
             <a:endParaRPr lang="de-DE"/>
           </a:p>
@@ -708,7 +676,7 @@
           <a:p>
             <a:fld id="{4F355CE7-F8C2-47E4-B159-EEECDB0D3D08}" type="datetimeFigureOut">
               <a:rPr lang="de-DE" smtClean="0"/>
-              <a:t>25.05.2021</a:t>
+              <a:t>01.06.2021</a:t>
             </a:fld>
             <a:endParaRPr lang="de-DE"/>
           </a:p>
@@ -906,7 +874,7 @@
           <a:p>
             <a:fld id="{4F355CE7-F8C2-47E4-B159-EEECDB0D3D08}" type="datetimeFigureOut">
               <a:rPr lang="de-DE" smtClean="0"/>
-              <a:t>25.05.2021</a:t>
+              <a:t>01.06.2021</a:t>
             </a:fld>
             <a:endParaRPr lang="de-DE"/>
           </a:p>
@@ -1181,7 +1149,7 @@
           <a:p>
             <a:fld id="{4F355CE7-F8C2-47E4-B159-EEECDB0D3D08}" type="datetimeFigureOut">
               <a:rPr lang="de-DE" smtClean="0"/>
-              <a:t>25.05.2021</a:t>
+              <a:t>01.06.2021</a:t>
             </a:fld>
             <a:endParaRPr lang="de-DE"/>
           </a:p>
@@ -1446,7 +1414,7 @@
           <a:p>
             <a:fld id="{4F355CE7-F8C2-47E4-B159-EEECDB0D3D08}" type="datetimeFigureOut">
               <a:rPr lang="de-DE" smtClean="0"/>
-              <a:t>25.05.2021</a:t>
+              <a:t>01.06.2021</a:t>
             </a:fld>
             <a:endParaRPr lang="de-DE"/>
           </a:p>
@@ -1858,7 +1826,7 @@
           <a:p>
             <a:fld id="{4F355CE7-F8C2-47E4-B159-EEECDB0D3D08}" type="datetimeFigureOut">
               <a:rPr lang="de-DE" smtClean="0"/>
-              <a:t>25.05.2021</a:t>
+              <a:t>01.06.2021</a:t>
             </a:fld>
             <a:endParaRPr lang="de-DE"/>
           </a:p>
@@ -1999,7 +1967,7 @@
           <a:p>
             <a:fld id="{4F355CE7-F8C2-47E4-B159-EEECDB0D3D08}" type="datetimeFigureOut">
               <a:rPr lang="de-DE" smtClean="0"/>
-              <a:t>25.05.2021</a:t>
+              <a:t>01.06.2021</a:t>
             </a:fld>
             <a:endParaRPr lang="de-DE"/>
           </a:p>
@@ -2112,7 +2080,7 @@
           <a:p>
             <a:fld id="{4F355CE7-F8C2-47E4-B159-EEECDB0D3D08}" type="datetimeFigureOut">
               <a:rPr lang="de-DE" smtClean="0"/>
-              <a:t>25.05.2021</a:t>
+              <a:t>01.06.2021</a:t>
             </a:fld>
             <a:endParaRPr lang="de-DE"/>
           </a:p>
@@ -2423,7 +2391,7 @@
           <a:p>
             <a:fld id="{4F355CE7-F8C2-47E4-B159-EEECDB0D3D08}" type="datetimeFigureOut">
               <a:rPr lang="de-DE" smtClean="0"/>
-              <a:t>25.05.2021</a:t>
+              <a:t>01.06.2021</a:t>
             </a:fld>
             <a:endParaRPr lang="de-DE"/>
           </a:p>
@@ -2711,7 +2679,7 @@
           <a:p>
             <a:fld id="{4F355CE7-F8C2-47E4-B159-EEECDB0D3D08}" type="datetimeFigureOut">
               <a:rPr lang="de-DE" smtClean="0"/>
-              <a:t>25.05.2021</a:t>
+              <a:t>01.06.2021</a:t>
             </a:fld>
             <a:endParaRPr lang="de-DE"/>
           </a:p>
@@ -2952,7 +2920,7 @@
           <a:p>
             <a:fld id="{4F355CE7-F8C2-47E4-B159-EEECDB0D3D08}" type="datetimeFigureOut">
               <a:rPr lang="de-DE" smtClean="0"/>
-              <a:t>25.05.2021</a:t>
+              <a:t>01.06.2021</a:t>
             </a:fld>
             <a:endParaRPr lang="de-DE"/>
           </a:p>
@@ -3916,6 +3884,424 @@
 </p:sld>
 </file>
 
+<file path=ppt/slides/slide10.xml><?xml version="1.0" encoding="utf-8"?>
+<p:sld xmlns:a="http://schemas.openxmlformats.org/drawingml/2006/main" xmlns:r="http://schemas.openxmlformats.org/officeDocument/2006/relationships" xmlns:p="http://schemas.openxmlformats.org/presentationml/2006/main">
+  <p:cSld>
+    <p:spTree>
+      <p:nvGrpSpPr>
+        <p:cNvPr id="1" name=""/>
+        <p:cNvGrpSpPr/>
+        <p:nvPr/>
+      </p:nvGrpSpPr>
+      <p:grpSpPr>
+        <a:xfrm>
+          <a:off x="0" y="0"/>
+          <a:ext cx="0" cy="0"/>
+          <a:chOff x="0" y="0"/>
+          <a:chExt cx="0" cy="0"/>
+        </a:xfrm>
+      </p:grpSpPr>
+      <p:sp>
+        <p:nvSpPr>
+          <p:cNvPr id="2" name="Titel 1">
+            <a:extLst>
+              <a:ext uri="{FF2B5EF4-FFF2-40B4-BE49-F238E27FC236}">
+                <a16:creationId xmlns:a16="http://schemas.microsoft.com/office/drawing/2014/main" id="{CEAC25C2-2D7B-4049-B1CB-17524CE5A743}"/>
+              </a:ext>
+            </a:extLst>
+          </p:cNvPr>
+          <p:cNvSpPr>
+            <a:spLocks noGrp="1"/>
+          </p:cNvSpPr>
+          <p:nvPr>
+            <p:ph type="title"/>
+          </p:nvPr>
+        </p:nvSpPr>
+        <p:spPr/>
+        <p:txBody>
+          <a:bodyPr/>
+          <a:lstStyle/>
+          <a:p>
+            <a:r>
+              <a:rPr lang="de-DE" dirty="0"/>
+              <a:t>Geografische Lage</a:t>
+            </a:r>
+          </a:p>
+        </p:txBody>
+      </p:sp>
+      <p:pic>
+        <p:nvPicPr>
+          <p:cNvPr id="5" name="Grafik 4">
+            <a:extLst>
+              <a:ext uri="{FF2B5EF4-FFF2-40B4-BE49-F238E27FC236}">
+                <a16:creationId xmlns:a16="http://schemas.microsoft.com/office/drawing/2014/main" id="{D62D6805-0B84-42A1-AC0A-73929B101EB2}"/>
+              </a:ext>
+            </a:extLst>
+          </p:cNvPr>
+          <p:cNvPicPr>
+            <a:picLocks noChangeAspect="1"/>
+          </p:cNvPicPr>
+          <p:nvPr/>
+        </p:nvPicPr>
+        <p:blipFill>
+          <a:blip r:embed="rId2"/>
+          <a:stretch>
+            <a:fillRect/>
+          </a:stretch>
+        </p:blipFill>
+        <p:spPr>
+          <a:xfrm>
+            <a:off x="1674631" y="1775461"/>
+            <a:ext cx="4105275" cy="4648200"/>
+          </a:xfrm>
+          <a:prstGeom prst="rect">
+            <a:avLst/>
+          </a:prstGeom>
+        </p:spPr>
+      </p:pic>
+      <p:pic>
+        <p:nvPicPr>
+          <p:cNvPr id="6" name="Grafik 5">
+            <a:extLst>
+              <a:ext uri="{FF2B5EF4-FFF2-40B4-BE49-F238E27FC236}">
+                <a16:creationId xmlns:a16="http://schemas.microsoft.com/office/drawing/2014/main" id="{A9C983CC-D5EB-491E-9177-2127387FBE7B}"/>
+              </a:ext>
+            </a:extLst>
+          </p:cNvPr>
+          <p:cNvPicPr>
+            <a:picLocks noChangeAspect="1"/>
+          </p:cNvPicPr>
+          <p:nvPr/>
+        </p:nvPicPr>
+        <p:blipFill>
+          <a:blip r:embed="rId3"/>
+          <a:stretch>
+            <a:fillRect/>
+          </a:stretch>
+        </p:blipFill>
+        <p:spPr>
+          <a:xfrm>
+            <a:off x="6209891" y="2028010"/>
+            <a:ext cx="3369537" cy="3362164"/>
+          </a:xfrm>
+          <a:prstGeom prst="rect">
+            <a:avLst/>
+          </a:prstGeom>
+        </p:spPr>
+      </p:pic>
+    </p:spTree>
+    <p:extLst>
+      <p:ext uri="{BB962C8B-B14F-4D97-AF65-F5344CB8AC3E}">
+        <p14:creationId xmlns:p14="http://schemas.microsoft.com/office/powerpoint/2010/main" val="456882661"/>
+      </p:ext>
+    </p:extLst>
+  </p:cSld>
+  <p:clrMapOvr>
+    <a:masterClrMapping/>
+  </p:clrMapOvr>
+</p:sld>
+</file>
+
+<file path=ppt/slides/slide11.xml><?xml version="1.0" encoding="utf-8"?>
+<p:sld xmlns:a="http://schemas.openxmlformats.org/drawingml/2006/main" xmlns:r="http://schemas.openxmlformats.org/officeDocument/2006/relationships" xmlns:p="http://schemas.openxmlformats.org/presentationml/2006/main">
+  <p:cSld>
+    <p:spTree>
+      <p:nvGrpSpPr>
+        <p:cNvPr id="1" name=""/>
+        <p:cNvGrpSpPr/>
+        <p:nvPr/>
+      </p:nvGrpSpPr>
+      <p:grpSpPr>
+        <a:xfrm>
+          <a:off x="0" y="0"/>
+          <a:ext cx="0" cy="0"/>
+          <a:chOff x="0" y="0"/>
+          <a:chExt cx="0" cy="0"/>
+        </a:xfrm>
+      </p:grpSpPr>
+      <p:sp>
+        <p:nvSpPr>
+          <p:cNvPr id="2" name="Titel 1">
+            <a:extLst>
+              <a:ext uri="{FF2B5EF4-FFF2-40B4-BE49-F238E27FC236}">
+                <a16:creationId xmlns:a16="http://schemas.microsoft.com/office/drawing/2014/main" id="{A92F41BA-2B52-455A-B29C-40E406600CDA}"/>
+              </a:ext>
+            </a:extLst>
+          </p:cNvPr>
+          <p:cNvSpPr>
+            <a:spLocks noGrp="1"/>
+          </p:cNvSpPr>
+          <p:nvPr>
+            <p:ph type="title"/>
+          </p:nvPr>
+        </p:nvSpPr>
+        <p:spPr/>
+        <p:txBody>
+          <a:bodyPr/>
+          <a:lstStyle/>
+          <a:p>
+            <a:r>
+              <a:rPr lang="de-DE" dirty="0"/>
+              <a:t>Train –Test Split</a:t>
+            </a:r>
+          </a:p>
+        </p:txBody>
+      </p:sp>
+      <p:sp>
+        <p:nvSpPr>
+          <p:cNvPr id="3" name="Inhaltsplatzhalter 2">
+            <a:extLst>
+              <a:ext uri="{FF2B5EF4-FFF2-40B4-BE49-F238E27FC236}">
+                <a16:creationId xmlns:a16="http://schemas.microsoft.com/office/drawing/2014/main" id="{48678810-8089-4FE9-B19D-E4CFC068FD39}"/>
+              </a:ext>
+            </a:extLst>
+          </p:cNvPr>
+          <p:cNvSpPr>
+            <a:spLocks noGrp="1"/>
+          </p:cNvSpPr>
+          <p:nvPr>
+            <p:ph idx="1"/>
+          </p:nvPr>
+        </p:nvSpPr>
+        <p:spPr/>
+        <p:txBody>
+          <a:bodyPr/>
+          <a:lstStyle/>
+          <a:p>
+            <a:r>
+              <a:rPr lang="de-DE" dirty="0"/>
+              <a:t>Aktuelles Vorgehen: 80% Trainingsdaten, 20% Testdaten</a:t>
+            </a:r>
+          </a:p>
+          <a:p>
+            <a:r>
+              <a:rPr lang="de-DE" dirty="0"/>
+              <a:t>Split mit </a:t>
+            </a:r>
+            <a:r>
+              <a:rPr lang="de-DE" dirty="0" err="1"/>
+              <a:t>scikit-learn</a:t>
+            </a:r>
+            <a:r>
+              <a:rPr lang="de-DE" dirty="0"/>
+              <a:t> Funktion</a:t>
+            </a:r>
+          </a:p>
+          <a:p>
+            <a:r>
+              <a:rPr lang="de-DE" dirty="0"/>
+              <a:t>Kross-Validierung erfolgt später</a:t>
+            </a:r>
+          </a:p>
+        </p:txBody>
+      </p:sp>
+      <p:pic>
+        <p:nvPicPr>
+          <p:cNvPr id="4" name="Grafik 3">
+            <a:extLst>
+              <a:ext uri="{FF2B5EF4-FFF2-40B4-BE49-F238E27FC236}">
+                <a16:creationId xmlns:a16="http://schemas.microsoft.com/office/drawing/2014/main" id="{A56A3982-5FE7-4FF1-A776-C50F53C9B6DA}"/>
+              </a:ext>
+            </a:extLst>
+          </p:cNvPr>
+          <p:cNvPicPr>
+            <a:picLocks noChangeAspect="1"/>
+          </p:cNvPicPr>
+          <p:nvPr/>
+        </p:nvPicPr>
+        <p:blipFill>
+          <a:blip r:embed="rId2"/>
+          <a:stretch>
+            <a:fillRect/>
+          </a:stretch>
+        </p:blipFill>
+        <p:spPr>
+          <a:xfrm>
+            <a:off x="4041457" y="4500155"/>
+            <a:ext cx="3743325" cy="1219200"/>
+          </a:xfrm>
+          <a:prstGeom prst="rect">
+            <a:avLst/>
+          </a:prstGeom>
+        </p:spPr>
+      </p:pic>
+    </p:spTree>
+    <p:extLst>
+      <p:ext uri="{BB962C8B-B14F-4D97-AF65-F5344CB8AC3E}">
+        <p14:creationId xmlns:p14="http://schemas.microsoft.com/office/powerpoint/2010/main" val="4084564426"/>
+      </p:ext>
+    </p:extLst>
+  </p:cSld>
+  <p:clrMapOvr>
+    <a:masterClrMapping/>
+  </p:clrMapOvr>
+</p:sld>
+</file>
+
+<file path=ppt/slides/slide12.xml><?xml version="1.0" encoding="utf-8"?>
+<p:sld xmlns:a="http://schemas.openxmlformats.org/drawingml/2006/main" xmlns:r="http://schemas.openxmlformats.org/officeDocument/2006/relationships" xmlns:p="http://schemas.openxmlformats.org/presentationml/2006/main">
+  <p:cSld>
+    <p:spTree>
+      <p:nvGrpSpPr>
+        <p:cNvPr id="1" name=""/>
+        <p:cNvGrpSpPr/>
+        <p:nvPr/>
+      </p:nvGrpSpPr>
+      <p:grpSpPr>
+        <a:xfrm>
+          <a:off x="0" y="0"/>
+          <a:ext cx="0" cy="0"/>
+          <a:chOff x="0" y="0"/>
+          <a:chExt cx="0" cy="0"/>
+        </a:xfrm>
+      </p:grpSpPr>
+      <p:sp>
+        <p:nvSpPr>
+          <p:cNvPr id="2" name="Titel 1">
+            <a:extLst>
+              <a:ext uri="{FF2B5EF4-FFF2-40B4-BE49-F238E27FC236}">
+                <a16:creationId xmlns:a16="http://schemas.microsoft.com/office/drawing/2014/main" id="{DF62A600-380A-4AAF-9126-EFE6D6493B5C}"/>
+              </a:ext>
+            </a:extLst>
+          </p:cNvPr>
+          <p:cNvSpPr>
+            <a:spLocks noGrp="1"/>
+          </p:cNvSpPr>
+          <p:nvPr>
+            <p:ph type="title"/>
+          </p:nvPr>
+        </p:nvSpPr>
+        <p:spPr/>
+        <p:txBody>
+          <a:bodyPr/>
+          <a:lstStyle/>
+          <a:p>
+            <a:r>
+              <a:rPr lang="de-DE" dirty="0"/>
+              <a:t>Was ist noch zu tun?</a:t>
+            </a:r>
+          </a:p>
+        </p:txBody>
+      </p:sp>
+      <p:sp>
+        <p:nvSpPr>
+          <p:cNvPr id="3" name="Inhaltsplatzhalter 2">
+            <a:extLst>
+              <a:ext uri="{FF2B5EF4-FFF2-40B4-BE49-F238E27FC236}">
+                <a16:creationId xmlns:a16="http://schemas.microsoft.com/office/drawing/2014/main" id="{BE85E1F2-263A-4C07-BC45-3A54E54DF805}"/>
+              </a:ext>
+            </a:extLst>
+          </p:cNvPr>
+          <p:cNvSpPr>
+            <a:spLocks noGrp="1"/>
+          </p:cNvSpPr>
+          <p:nvPr>
+            <p:ph idx="1"/>
+          </p:nvPr>
+        </p:nvSpPr>
+        <p:spPr/>
+        <p:txBody>
+          <a:bodyPr/>
+          <a:lstStyle/>
+          <a:p>
+            <a:r>
+              <a:rPr lang="de-DE" sz="2400" dirty="0" err="1"/>
+              <a:t>Cleaning</a:t>
+            </a:r>
+            <a:r>
+              <a:rPr lang="de-DE" sz="2400" dirty="0"/>
+              <a:t> der Daten noch verbessern / Vorbereiten der Daten für ML-Nutzung</a:t>
+            </a:r>
+          </a:p>
+          <a:p>
+            <a:r>
+              <a:rPr lang="de-DE" sz="2400" dirty="0"/>
+              <a:t>Trainieren von </a:t>
+            </a:r>
+            <a:r>
+              <a:rPr lang="de-DE" sz="2400" dirty="0" err="1"/>
+              <a:t>Machine</a:t>
+            </a:r>
+            <a:r>
+              <a:rPr lang="de-DE" sz="2400" dirty="0"/>
+              <a:t>-Learning Modellen</a:t>
+            </a:r>
+          </a:p>
+          <a:p>
+            <a:pPr lvl="1"/>
+            <a:r>
+              <a:rPr lang="de-DE" sz="2000" dirty="0"/>
+              <a:t>Lineare Regression als erstes Modell</a:t>
+            </a:r>
+          </a:p>
+          <a:p>
+            <a:pPr lvl="1"/>
+            <a:r>
+              <a:rPr lang="de-DE" sz="2000" dirty="0" err="1"/>
+              <a:t>RandomForest</a:t>
+            </a:r>
+            <a:r>
+              <a:rPr lang="de-DE" sz="2000" dirty="0"/>
+              <a:t> Regressor</a:t>
+            </a:r>
+          </a:p>
+          <a:p>
+            <a:pPr lvl="1"/>
+            <a:r>
+              <a:rPr lang="de-DE" sz="2000" dirty="0"/>
+              <a:t>Weitere Regressions-Modelle</a:t>
+            </a:r>
+          </a:p>
+          <a:p>
+            <a:pPr lvl="1"/>
+            <a:r>
+              <a:rPr lang="de-DE" sz="2000" dirty="0"/>
+              <a:t>Ensemble Methoden</a:t>
+            </a:r>
+          </a:p>
+          <a:p>
+            <a:r>
+              <a:rPr lang="de-DE" sz="2400" dirty="0"/>
+              <a:t>Evaluation und Optimierung der Modelle</a:t>
+            </a:r>
+          </a:p>
+          <a:p>
+            <a:pPr marL="0" indent="0">
+              <a:buNone/>
+            </a:pPr>
+            <a:r>
+              <a:rPr lang="de-DE" sz="2400" dirty="0">
+                <a:sym typeface="Wingdings" panose="05000000000000000000" pitchFamily="2" charset="2"/>
+              </a:rPr>
+              <a:t> Entscheidung für ein optimales Modell</a:t>
+            </a:r>
+            <a:endParaRPr lang="de-DE" sz="2400" dirty="0"/>
+          </a:p>
+          <a:p>
+            <a:pPr lvl="1"/>
+            <a:endParaRPr lang="de-DE" dirty="0"/>
+          </a:p>
+          <a:p>
+            <a:pPr marL="0" indent="0">
+              <a:buNone/>
+            </a:pPr>
+            <a:endParaRPr lang="de-DE" dirty="0"/>
+          </a:p>
+        </p:txBody>
+      </p:sp>
+    </p:spTree>
+    <p:extLst>
+      <p:ext uri="{BB962C8B-B14F-4D97-AF65-F5344CB8AC3E}">
+        <p14:creationId xmlns:p14="http://schemas.microsoft.com/office/powerpoint/2010/main" val="330079716"/>
+      </p:ext>
+    </p:extLst>
+  </p:cSld>
+  <p:clrMapOvr>
+    <a:masterClrMapping/>
+  </p:clrMapOvr>
+</p:sld>
+</file>
+
 <file path=ppt/slides/slide2.xml><?xml version="1.0" encoding="utf-8"?>
 <p:sld xmlns:a="http://schemas.openxmlformats.org/drawingml/2006/main" xmlns:r="http://schemas.openxmlformats.org/officeDocument/2006/relationships" xmlns:p="http://schemas.openxmlformats.org/presentationml/2006/main">
   <p:cSld>
@@ -4036,118 +4422,6 @@
 </file>
 
 <file path=ppt/slides/slide3.xml><?xml version="1.0" encoding="utf-8"?>
-<p:sld xmlns:a="http://schemas.openxmlformats.org/drawingml/2006/main" xmlns:r="http://schemas.openxmlformats.org/officeDocument/2006/relationships" xmlns:p="http://schemas.openxmlformats.org/presentationml/2006/main">
-  <p:cSld>
-    <p:spTree>
-      <p:nvGrpSpPr>
-        <p:cNvPr id="1" name=""/>
-        <p:cNvGrpSpPr/>
-        <p:nvPr/>
-      </p:nvGrpSpPr>
-      <p:grpSpPr>
-        <a:xfrm>
-          <a:off x="0" y="0"/>
-          <a:ext cx="0" cy="0"/>
-          <a:chOff x="0" y="0"/>
-          <a:chExt cx="0" cy="0"/>
-        </a:xfrm>
-      </p:grpSpPr>
-      <p:sp>
-        <p:nvSpPr>
-          <p:cNvPr id="2" name="Titel 1">
-            <a:extLst>
-              <a:ext uri="{FF2B5EF4-FFF2-40B4-BE49-F238E27FC236}">
-                <a16:creationId xmlns:a16="http://schemas.microsoft.com/office/drawing/2014/main" id="{00E934AB-1443-453E-AF7F-3A1923B78D93}"/>
-              </a:ext>
-            </a:extLst>
-          </p:cNvPr>
-          <p:cNvSpPr>
-            <a:spLocks noGrp="1"/>
-          </p:cNvSpPr>
-          <p:nvPr>
-            <p:ph type="title"/>
-          </p:nvPr>
-        </p:nvSpPr>
-        <p:spPr/>
-        <p:txBody>
-          <a:bodyPr/>
-          <a:lstStyle/>
-          <a:p>
-            <a:r>
-              <a:rPr lang="de-DE" dirty="0"/>
-              <a:t>Einsatz von </a:t>
-            </a:r>
-            <a:r>
-              <a:rPr lang="de-DE" dirty="0" err="1"/>
-              <a:t>Machine</a:t>
-            </a:r>
-            <a:r>
-              <a:rPr lang="de-DE" dirty="0"/>
-              <a:t> Learning</a:t>
-            </a:r>
-          </a:p>
-        </p:txBody>
-      </p:sp>
-      <p:sp>
-        <p:nvSpPr>
-          <p:cNvPr id="3" name="Inhaltsplatzhalter 2">
-            <a:extLst>
-              <a:ext uri="{FF2B5EF4-FFF2-40B4-BE49-F238E27FC236}">
-                <a16:creationId xmlns:a16="http://schemas.microsoft.com/office/drawing/2014/main" id="{DB233409-472E-4DC7-883B-4DFF6B4CAEAF}"/>
-              </a:ext>
-            </a:extLst>
-          </p:cNvPr>
-          <p:cNvSpPr>
-            <a:spLocks noGrp="1"/>
-          </p:cNvSpPr>
-          <p:nvPr>
-            <p:ph idx="1"/>
-          </p:nvPr>
-        </p:nvSpPr>
-        <p:spPr/>
-        <p:txBody>
-          <a:bodyPr/>
-          <a:lstStyle/>
-          <a:p>
-            <a:r>
-              <a:rPr lang="de-DE" dirty="0"/>
-              <a:t>Überwachtes Lernen (Labels=Hauspreise vorhanden)</a:t>
-            </a:r>
-          </a:p>
-          <a:p>
-            <a:r>
-              <a:rPr lang="de-DE" dirty="0"/>
-              <a:t>Multiple Regression (Multi: Mehrere Eigenschaften, Regression: Wir wollen Preise vorhersagen und keine Klassen)</a:t>
-            </a:r>
-          </a:p>
-          <a:p>
-            <a:r>
-              <a:rPr lang="de-DE" dirty="0"/>
-              <a:t>Batch Learning (vorgegebener Datensatz, keine neuen Daten)</a:t>
-            </a:r>
-          </a:p>
-          <a:p>
-            <a:r>
-              <a:rPr lang="de-DE" dirty="0"/>
-              <a:t>Evaluierung: Mögliches Maß: RMSE (Wurzel der mittleren quadratischen Abweichung) oder MAE </a:t>
-            </a:r>
-          </a:p>
-        </p:txBody>
-      </p:sp>
-    </p:spTree>
-    <p:extLst>
-      <p:ext uri="{BB962C8B-B14F-4D97-AF65-F5344CB8AC3E}">
-        <p14:creationId xmlns:p14="http://schemas.microsoft.com/office/powerpoint/2010/main" val="3122909818"/>
-      </p:ext>
-    </p:extLst>
-  </p:cSld>
-  <p:clrMapOvr>
-    <a:masterClrMapping/>
-  </p:clrMapOvr>
-</p:sld>
-</file>
-
-<file path=ppt/slides/slide4.xml><?xml version="1.0" encoding="utf-8"?>
 <p:sld xmlns:a="http://schemas.openxmlformats.org/drawingml/2006/main" xmlns:r="http://schemas.openxmlformats.org/officeDocument/2006/relationships" xmlns:p="http://schemas.openxmlformats.org/presentationml/2006/main">
   <p:cSld>
     <p:spTree>
@@ -5011,6 +5285,142 @@
 </p:sld>
 </file>
 
+<file path=ppt/slides/slide4.xml><?xml version="1.0" encoding="utf-8"?>
+<p:sld xmlns:a="http://schemas.openxmlformats.org/drawingml/2006/main" xmlns:r="http://schemas.openxmlformats.org/officeDocument/2006/relationships" xmlns:p="http://schemas.openxmlformats.org/presentationml/2006/main">
+  <p:cSld>
+    <p:spTree>
+      <p:nvGrpSpPr>
+        <p:cNvPr id="1" name=""/>
+        <p:cNvGrpSpPr/>
+        <p:nvPr/>
+      </p:nvGrpSpPr>
+      <p:grpSpPr>
+        <a:xfrm>
+          <a:off x="0" y="0"/>
+          <a:ext cx="0" cy="0"/>
+          <a:chOff x="0" y="0"/>
+          <a:chExt cx="0" cy="0"/>
+        </a:xfrm>
+      </p:grpSpPr>
+      <p:sp>
+        <p:nvSpPr>
+          <p:cNvPr id="2" name="Titel 1">
+            <a:extLst>
+              <a:ext uri="{FF2B5EF4-FFF2-40B4-BE49-F238E27FC236}">
+                <a16:creationId xmlns:a16="http://schemas.microsoft.com/office/drawing/2014/main" id="{394AEEF4-7F5D-49A2-B87B-113AAF534CC6}"/>
+              </a:ext>
+            </a:extLst>
+          </p:cNvPr>
+          <p:cNvSpPr>
+            <a:spLocks noGrp="1"/>
+          </p:cNvSpPr>
+          <p:nvPr>
+            <p:ph type="title"/>
+          </p:nvPr>
+        </p:nvSpPr>
+        <p:spPr/>
+        <p:txBody>
+          <a:bodyPr/>
+          <a:lstStyle/>
+          <a:p>
+            <a:r>
+              <a:rPr lang="de-DE" dirty="0"/>
+              <a:t>Unser Vorgehen</a:t>
+            </a:r>
+          </a:p>
+        </p:txBody>
+      </p:sp>
+      <p:sp>
+        <p:nvSpPr>
+          <p:cNvPr id="3" name="Inhaltsplatzhalter 2">
+            <a:extLst>
+              <a:ext uri="{FF2B5EF4-FFF2-40B4-BE49-F238E27FC236}">
+                <a16:creationId xmlns:a16="http://schemas.microsoft.com/office/drawing/2014/main" id="{A0B98AD3-75F1-43DD-B1B6-791056E90215}"/>
+              </a:ext>
+            </a:extLst>
+          </p:cNvPr>
+          <p:cNvSpPr>
+            <a:spLocks noGrp="1"/>
+          </p:cNvSpPr>
+          <p:nvPr>
+            <p:ph idx="1"/>
+          </p:nvPr>
+        </p:nvSpPr>
+        <p:spPr/>
+        <p:txBody>
+          <a:bodyPr/>
+          <a:lstStyle/>
+          <a:p>
+            <a:pPr marL="514350" indent="-514350">
+              <a:buAutoNum type="arabicPeriod"/>
+            </a:pPr>
+            <a:r>
+              <a:rPr lang="de-DE" dirty="0"/>
+              <a:t>Überblick über Datensatz verschaffen (vor allem plotten)</a:t>
+            </a:r>
+          </a:p>
+          <a:p>
+            <a:pPr marL="514350" indent="-514350">
+              <a:buAutoNum type="arabicPeriod"/>
+            </a:pPr>
+            <a:r>
+              <a:rPr lang="de-DE" dirty="0"/>
+              <a:t>Vorverarbeitung: Train/Test Split, </a:t>
+            </a:r>
+            <a:r>
+              <a:rPr lang="de-DE" dirty="0" err="1"/>
+              <a:t>Cleaning</a:t>
+            </a:r>
+            <a:endParaRPr lang="de-DE" dirty="0"/>
+          </a:p>
+          <a:p>
+            <a:pPr marL="514350" indent="-514350">
+              <a:buAutoNum type="arabicPeriod"/>
+            </a:pPr>
+            <a:r>
+              <a:rPr lang="de-DE" dirty="0"/>
+              <a:t>Auswahl ML-Modell(e) </a:t>
+            </a:r>
+          </a:p>
+          <a:p>
+            <a:pPr marL="514350" indent="-514350">
+              <a:buAutoNum type="arabicPeriod"/>
+            </a:pPr>
+            <a:r>
+              <a:rPr lang="de-DE" dirty="0"/>
+              <a:t>Trainieren ML-Modell(e)</a:t>
+            </a:r>
+          </a:p>
+          <a:p>
+            <a:pPr marL="514350" indent="-514350">
+              <a:buAutoNum type="arabicPeriod"/>
+            </a:pPr>
+            <a:r>
+              <a:rPr lang="de-DE" dirty="0"/>
+              <a:t>Evaluierung, mögliche Anpassungen</a:t>
+            </a:r>
+          </a:p>
+          <a:p>
+            <a:pPr marL="514350" indent="-514350">
+              <a:buAutoNum type="arabicPeriod"/>
+            </a:pPr>
+            <a:endParaRPr lang="de-DE" dirty="0"/>
+          </a:p>
+        </p:txBody>
+      </p:sp>
+    </p:spTree>
+    <p:extLst>
+      <p:ext uri="{BB962C8B-B14F-4D97-AF65-F5344CB8AC3E}">
+        <p14:creationId xmlns:p14="http://schemas.microsoft.com/office/powerpoint/2010/main" val="3656743739"/>
+      </p:ext>
+    </p:extLst>
+  </p:cSld>
+  <p:clrMapOvr>
+    <a:masterClrMapping/>
+  </p:clrMapOvr>
+</p:sld>
+</file>
+
 <file path=ppt/slides/slide5.xml><?xml version="1.0" encoding="utf-8"?>
 <p:sld xmlns:a="http://schemas.openxmlformats.org/drawingml/2006/main" xmlns:r="http://schemas.openxmlformats.org/officeDocument/2006/relationships" xmlns:p="http://schemas.openxmlformats.org/presentationml/2006/main">
   <p:cSld>
@@ -5033,7 +5443,7 @@
           <p:cNvPr id="2" name="Titel 1">
             <a:extLst>
               <a:ext uri="{FF2B5EF4-FFF2-40B4-BE49-F238E27FC236}">
-                <a16:creationId xmlns:a16="http://schemas.microsoft.com/office/drawing/2014/main" id="{394AEEF4-7F5D-49A2-B87B-113AAF534CC6}"/>
+                <a16:creationId xmlns:a16="http://schemas.microsoft.com/office/drawing/2014/main" id="{00E934AB-1443-453E-AF7F-3A1923B78D93}"/>
               </a:ext>
             </a:extLst>
           </p:cNvPr>
@@ -5051,7 +5461,15 @@
           <a:p>
             <a:r>
               <a:rPr lang="de-DE" dirty="0"/>
-              <a:t>Unser Vorgehen</a:t>
+              <a:t>Einsatz von </a:t>
+            </a:r>
+            <a:r>
+              <a:rPr lang="de-DE" dirty="0" err="1"/>
+              <a:t>Machine</a:t>
+            </a:r>
+            <a:r>
+              <a:rPr lang="de-DE" dirty="0"/>
+              <a:t> Learning</a:t>
             </a:r>
           </a:p>
         </p:txBody>
@@ -5061,7 +5479,7 @@
           <p:cNvPr id="3" name="Inhaltsplatzhalter 2">
             <a:extLst>
               <a:ext uri="{FF2B5EF4-FFF2-40B4-BE49-F238E27FC236}">
-                <a16:creationId xmlns:a16="http://schemas.microsoft.com/office/drawing/2014/main" id="{A0B98AD3-75F1-43DD-B1B6-791056E90215}"/>
+                <a16:creationId xmlns:a16="http://schemas.microsoft.com/office/drawing/2014/main" id="{DB233409-472E-4DC7-883B-4DFF6B4CAEAF}"/>
               </a:ext>
             </a:extLst>
           </p:cNvPr>
@@ -5077,70 +5495,523 @@
           <a:bodyPr/>
           <a:lstStyle/>
           <a:p>
-            <a:pPr marL="514350" indent="-514350">
-              <a:buAutoNum type="arabicPeriod"/>
-            </a:pPr>
             <a:r>
               <a:rPr lang="de-DE" dirty="0"/>
-              <a:t>Überblick über Datensatz verschaffen (vor allem plotten)</a:t>
-            </a:r>
-          </a:p>
-          <a:p>
-            <a:pPr marL="514350" indent="-514350">
-              <a:buAutoNum type="arabicPeriod"/>
-            </a:pPr>
+              <a:t>Überwachtes Lernen (Labels=Hauspreise vorhanden)</a:t>
+            </a:r>
+          </a:p>
+          <a:p>
             <a:r>
               <a:rPr lang="de-DE" dirty="0"/>
-              <a:t>Vorverarbeitung: Train/Test Split, </a:t>
-            </a:r>
-            <a:r>
-              <a:rPr lang="de-DE" dirty="0" err="1"/>
-              <a:t>Cleaning</a:t>
-            </a:r>
+              <a:t>Multiple Regression (Multi: Mehrere Eigenschaften, Regression: Wir wollen Preise vorhersagen und keine Klassen)</a:t>
+            </a:r>
+          </a:p>
+          <a:p>
             <a:r>
               <a:rPr lang="de-DE" dirty="0"/>
-              <a:t> …</a:t>
-            </a:r>
-          </a:p>
-          <a:p>
-            <a:pPr marL="514350" indent="-514350">
-              <a:buAutoNum type="arabicPeriod"/>
-            </a:pPr>
+              <a:t>Batch Learning (vorgegebener Datensatz, keine neuen Daten)</a:t>
+            </a:r>
+          </a:p>
+          <a:p>
             <a:r>
               <a:rPr lang="de-DE" dirty="0"/>
-              <a:t>Auswahl ML-Modell(e) </a:t>
-            </a:r>
-          </a:p>
-          <a:p>
-            <a:pPr marL="514350" indent="-514350">
-              <a:buAutoNum type="arabicPeriod"/>
-            </a:pPr>
-            <a:r>
-              <a:rPr lang="de-DE" dirty="0"/>
-              <a:t>Trainieren ML-Modell(e)</a:t>
-            </a:r>
-          </a:p>
-          <a:p>
-            <a:pPr marL="514350" indent="-514350">
-              <a:buAutoNum type="arabicPeriod"/>
-            </a:pPr>
-            <a:r>
-              <a:rPr lang="de-DE" dirty="0"/>
-              <a:t>Evaluierung, mögliche Anpassungen</a:t>
-            </a:r>
-          </a:p>
-          <a:p>
-            <a:pPr marL="514350" indent="-514350">
-              <a:buAutoNum type="arabicPeriod"/>
-            </a:pPr>
-            <a:endParaRPr lang="de-DE" dirty="0"/>
+              <a:t>Evaluierung: Mögliches Maß: RMSE (Wurzel der mittleren quadratischen Abweichung) oder MAE </a:t>
+            </a:r>
           </a:p>
         </p:txBody>
       </p:sp>
     </p:spTree>
     <p:extLst>
       <p:ext uri="{BB962C8B-B14F-4D97-AF65-F5344CB8AC3E}">
-        <p14:creationId xmlns:p14="http://schemas.microsoft.com/office/powerpoint/2010/main" val="3656743739"/>
+        <p14:creationId xmlns:p14="http://schemas.microsoft.com/office/powerpoint/2010/main" val="3122909818"/>
+      </p:ext>
+    </p:extLst>
+  </p:cSld>
+  <p:clrMapOvr>
+    <a:masterClrMapping/>
+  </p:clrMapOvr>
+</p:sld>
+</file>
+
+<file path=ppt/slides/slide6.xml><?xml version="1.0" encoding="utf-8"?>
+<p:sld xmlns:a="http://schemas.openxmlformats.org/drawingml/2006/main" xmlns:r="http://schemas.openxmlformats.org/officeDocument/2006/relationships" xmlns:p="http://schemas.openxmlformats.org/presentationml/2006/main">
+  <p:cSld>
+    <p:spTree>
+      <p:nvGrpSpPr>
+        <p:cNvPr id="1" name=""/>
+        <p:cNvGrpSpPr/>
+        <p:nvPr/>
+      </p:nvGrpSpPr>
+      <p:grpSpPr>
+        <a:xfrm>
+          <a:off x="0" y="0"/>
+          <a:ext cx="0" cy="0"/>
+          <a:chOff x="0" y="0"/>
+          <a:chExt cx="0" cy="0"/>
+        </a:xfrm>
+      </p:grpSpPr>
+      <p:sp>
+        <p:nvSpPr>
+          <p:cNvPr id="2" name="Titel 1">
+            <a:extLst>
+              <a:ext uri="{FF2B5EF4-FFF2-40B4-BE49-F238E27FC236}">
+                <a16:creationId xmlns:a16="http://schemas.microsoft.com/office/drawing/2014/main" id="{4C2A193F-F6CA-4436-86C2-6CE757EDF015}"/>
+              </a:ext>
+            </a:extLst>
+          </p:cNvPr>
+          <p:cNvSpPr>
+            <a:spLocks noGrp="1"/>
+          </p:cNvSpPr>
+          <p:nvPr>
+            <p:ph type="title"/>
+          </p:nvPr>
+        </p:nvSpPr>
+        <p:spPr>
+          <a:xfrm>
+            <a:off x="3503022" y="2638063"/>
+            <a:ext cx="5623560" cy="1325563"/>
+          </a:xfrm>
+        </p:spPr>
+        <p:txBody>
+          <a:bodyPr/>
+          <a:lstStyle/>
+          <a:p>
+            <a:r>
+              <a:rPr lang="de-DE" dirty="0"/>
+              <a:t>Aktuelle Ergebnisse</a:t>
+            </a:r>
+          </a:p>
+        </p:txBody>
+      </p:sp>
+    </p:spTree>
+    <p:extLst>
+      <p:ext uri="{BB962C8B-B14F-4D97-AF65-F5344CB8AC3E}">
+        <p14:creationId xmlns:p14="http://schemas.microsoft.com/office/powerpoint/2010/main" val="3501972386"/>
+      </p:ext>
+    </p:extLst>
+  </p:cSld>
+  <p:clrMapOvr>
+    <a:masterClrMapping/>
+  </p:clrMapOvr>
+</p:sld>
+</file>
+
+<file path=ppt/slides/slide7.xml><?xml version="1.0" encoding="utf-8"?>
+<p:sld xmlns:a="http://schemas.openxmlformats.org/drawingml/2006/main" xmlns:r="http://schemas.openxmlformats.org/officeDocument/2006/relationships" xmlns:p="http://schemas.openxmlformats.org/presentationml/2006/main">
+  <p:cSld>
+    <p:spTree>
+      <p:nvGrpSpPr>
+        <p:cNvPr id="1" name=""/>
+        <p:cNvGrpSpPr/>
+        <p:nvPr/>
+      </p:nvGrpSpPr>
+      <p:grpSpPr>
+        <a:xfrm>
+          <a:off x="0" y="0"/>
+          <a:ext cx="0" cy="0"/>
+          <a:chOff x="0" y="0"/>
+          <a:chExt cx="0" cy="0"/>
+        </a:xfrm>
+      </p:grpSpPr>
+      <p:sp>
+        <p:nvSpPr>
+          <p:cNvPr id="2" name="Titel 1">
+            <a:extLst>
+              <a:ext uri="{FF2B5EF4-FFF2-40B4-BE49-F238E27FC236}">
+                <a16:creationId xmlns:a16="http://schemas.microsoft.com/office/drawing/2014/main" id="{F29EC511-4759-4C18-B5EB-863D6D4D5917}"/>
+              </a:ext>
+            </a:extLst>
+          </p:cNvPr>
+          <p:cNvSpPr>
+            <a:spLocks noGrp="1"/>
+          </p:cNvSpPr>
+          <p:nvPr>
+            <p:ph type="title"/>
+          </p:nvPr>
+        </p:nvSpPr>
+        <p:spPr/>
+        <p:txBody>
+          <a:bodyPr/>
+          <a:lstStyle/>
+          <a:p>
+            <a:r>
+              <a:rPr lang="de-DE" dirty="0"/>
+              <a:t>Überblick</a:t>
+            </a:r>
+          </a:p>
+        </p:txBody>
+      </p:sp>
+      <p:pic>
+        <p:nvPicPr>
+          <p:cNvPr id="5" name="Grafik 4">
+            <a:extLst>
+              <a:ext uri="{FF2B5EF4-FFF2-40B4-BE49-F238E27FC236}">
+                <a16:creationId xmlns:a16="http://schemas.microsoft.com/office/drawing/2014/main" id="{389157D8-D1F8-4F23-8C99-75B2B934308C}"/>
+              </a:ext>
+            </a:extLst>
+          </p:cNvPr>
+          <p:cNvPicPr>
+            <a:picLocks noChangeAspect="1"/>
+          </p:cNvPicPr>
+          <p:nvPr/>
+        </p:nvPicPr>
+        <p:blipFill>
+          <a:blip r:embed="rId2"/>
+          <a:stretch>
+            <a:fillRect/>
+          </a:stretch>
+        </p:blipFill>
+        <p:spPr>
+          <a:xfrm>
+            <a:off x="1347379" y="2310538"/>
+            <a:ext cx="3290713" cy="3543845"/>
+          </a:xfrm>
+          <a:prstGeom prst="rect">
+            <a:avLst/>
+          </a:prstGeom>
+          <a:ln w="38100" cap="sq">
+            <a:solidFill>
+              <a:srgbClr val="000000"/>
+            </a:solidFill>
+            <a:prstDash val="solid"/>
+            <a:miter lim="800000"/>
+          </a:ln>
+          <a:effectLst>
+            <a:outerShdw blurRad="50800" dist="38100" dir="2700000" algn="tl" rotWithShape="0">
+              <a:srgbClr val="000000">
+                <a:alpha val="43000"/>
+              </a:srgbClr>
+            </a:outerShdw>
+          </a:effectLst>
+        </p:spPr>
+      </p:pic>
+      <p:sp>
+        <p:nvSpPr>
+          <p:cNvPr id="10" name="Textfeld 9">
+            <a:extLst>
+              <a:ext uri="{FF2B5EF4-FFF2-40B4-BE49-F238E27FC236}">
+                <a16:creationId xmlns:a16="http://schemas.microsoft.com/office/drawing/2014/main" id="{C0B5DD3B-1371-421D-A428-E894EC452FDA}"/>
+              </a:ext>
+            </a:extLst>
+          </p:cNvPr>
+          <p:cNvSpPr txBox="1"/>
+          <p:nvPr/>
+        </p:nvSpPr>
+        <p:spPr>
+          <a:xfrm>
+            <a:off x="1602377" y="1924594"/>
+            <a:ext cx="1285608" cy="369332"/>
+          </a:xfrm>
+          <a:prstGeom prst="rect">
+            <a:avLst/>
+          </a:prstGeom>
+          <a:noFill/>
+        </p:spPr>
+        <p:txBody>
+          <a:bodyPr wrap="none" rtlCol="0">
+            <a:spAutoFit/>
+          </a:bodyPr>
+          <a:lstStyle/>
+          <a:p>
+            <a:r>
+              <a:rPr lang="de-DE" dirty="0"/>
+              <a:t>Datentypen</a:t>
+            </a:r>
+          </a:p>
+        </p:txBody>
+      </p:sp>
+      <p:pic>
+        <p:nvPicPr>
+          <p:cNvPr id="1026" name="Picture 2" descr="Column defintions &#10;Posted in House Sales in King County, LISA 5 months ago &#10;id - Unique ID for each home sold &#10;date - Date of the home sale &#10;price - Price of each home sold &#10;bedrooms - Number of bedrooms &#10;bathrooms - Number of bathrooms, where .5 accounts for a room with a toilet but no shower &#10;sqft_living - Square footage of the apartments interior living space &#10;sqft_lot - Square footage of the land space &#10;floors - Number of floors &#10;waterfront - A dummy variable for whether the apartment was overlooking the waterfront or not &#10;view - An index from O to 4 of how good the view of the property was &#10;condition - An index from 1 to 5 on the condition of the apartment, &#10;grade - An index from 1 to 13, where 1-3 falls short of building construction and design, 7 has an average level of construction and &#10;design, and 11-13 have a high quality level of construction and design. &#10;sqft_above - The square footage of the interior housing space that is above ground level &#10;sqft_basement - The square footage of the interior housing space that is below ground level &#10;yr_built - The year the house was initially built &#10;yr_renovated - The year of the house's last renovation &#10;zipcode - What zipcode area the house is in &#10;lat - Lattitude &#10;long - Longitude &#10;sqft_living15 - The square footage of interior housing living space for the nearest 15 neighbors &#10;sqft_lot15 - The square footage of the land lots of the nearest 15 neighbors &#10;24 ">
+            <a:extLst>
+              <a:ext uri="{FF2B5EF4-FFF2-40B4-BE49-F238E27FC236}">
+                <a16:creationId xmlns:a16="http://schemas.microsoft.com/office/drawing/2014/main" id="{79B80E60-4EAC-4421-A5F9-59631D64DE57}"/>
+              </a:ext>
+            </a:extLst>
+          </p:cNvPr>
+          <p:cNvPicPr>
+            <a:picLocks noChangeAspect="1" noChangeArrowheads="1"/>
+          </p:cNvPicPr>
+          <p:nvPr/>
+        </p:nvPicPr>
+        <p:blipFill>
+          <a:blip r:embed="rId3">
+            <a:extLst>
+              <a:ext uri="{28A0092B-C50C-407E-A947-70E740481C1C}">
+                <a14:useLocalDpi xmlns:a14="http://schemas.microsoft.com/office/drawing/2010/main" val="0"/>
+              </a:ext>
+            </a:extLst>
+          </a:blip>
+          <a:srcRect/>
+          <a:stretch>
+            <a:fillRect/>
+          </a:stretch>
+        </p:blipFill>
+        <p:spPr bwMode="auto">
+          <a:xfrm>
+            <a:off x="5155937" y="2109260"/>
+            <a:ext cx="5688684" cy="3735569"/>
+          </a:xfrm>
+          <a:prstGeom prst="rect">
+            <a:avLst/>
+          </a:prstGeom>
+          <a:noFill/>
+          <a:extLst>
+            <a:ext uri="{909E8E84-426E-40DD-AFC4-6F175D3DCCD1}">
+              <a14:hiddenFill xmlns:a14="http://schemas.microsoft.com/office/drawing/2010/main">
+                <a:solidFill>
+                  <a:srgbClr val="FFFFFF"/>
+                </a:solidFill>
+              </a14:hiddenFill>
+            </a:ext>
+          </a:extLst>
+        </p:spPr>
+      </p:pic>
+    </p:spTree>
+    <p:extLst>
+      <p:ext uri="{BB962C8B-B14F-4D97-AF65-F5344CB8AC3E}">
+        <p14:creationId xmlns:p14="http://schemas.microsoft.com/office/powerpoint/2010/main" val="1883407849"/>
+      </p:ext>
+    </p:extLst>
+  </p:cSld>
+  <p:clrMapOvr>
+    <a:masterClrMapping/>
+  </p:clrMapOvr>
+</p:sld>
+</file>
+
+<file path=ppt/slides/slide8.xml><?xml version="1.0" encoding="utf-8"?>
+<p:sld xmlns:a="http://schemas.openxmlformats.org/drawingml/2006/main" xmlns:r="http://schemas.openxmlformats.org/officeDocument/2006/relationships" xmlns:p="http://schemas.openxmlformats.org/presentationml/2006/main">
+  <p:cSld>
+    <p:spTree>
+      <p:nvGrpSpPr>
+        <p:cNvPr id="1" name=""/>
+        <p:cNvGrpSpPr/>
+        <p:nvPr/>
+      </p:nvGrpSpPr>
+      <p:grpSpPr>
+        <a:xfrm>
+          <a:off x="0" y="0"/>
+          <a:ext cx="0" cy="0"/>
+          <a:chOff x="0" y="0"/>
+          <a:chExt cx="0" cy="0"/>
+        </a:xfrm>
+      </p:grpSpPr>
+      <p:sp>
+        <p:nvSpPr>
+          <p:cNvPr id="2" name="Titel 1">
+            <a:extLst>
+              <a:ext uri="{FF2B5EF4-FFF2-40B4-BE49-F238E27FC236}">
+                <a16:creationId xmlns:a16="http://schemas.microsoft.com/office/drawing/2014/main" id="{B4B6F71A-CFC8-4778-BE33-E12A662DEBBD}"/>
+              </a:ext>
+            </a:extLst>
+          </p:cNvPr>
+          <p:cNvSpPr>
+            <a:spLocks noGrp="1"/>
+          </p:cNvSpPr>
+          <p:nvPr>
+            <p:ph type="title"/>
+          </p:nvPr>
+        </p:nvSpPr>
+        <p:spPr/>
+        <p:txBody>
+          <a:bodyPr/>
+          <a:lstStyle/>
+          <a:p>
+            <a:r>
+              <a:rPr lang="de-DE" dirty="0"/>
+              <a:t>Histogramme</a:t>
+            </a:r>
+          </a:p>
+        </p:txBody>
+      </p:sp>
+      <p:pic>
+        <p:nvPicPr>
+          <p:cNvPr id="5" name="Grafik 4">
+            <a:extLst>
+              <a:ext uri="{FF2B5EF4-FFF2-40B4-BE49-F238E27FC236}">
+                <a16:creationId xmlns:a16="http://schemas.microsoft.com/office/drawing/2014/main" id="{FB198A6A-6438-4019-8619-4A92D0B9D515}"/>
+              </a:ext>
+            </a:extLst>
+          </p:cNvPr>
+          <p:cNvPicPr>
+            <a:picLocks noChangeAspect="1"/>
+          </p:cNvPicPr>
+          <p:nvPr/>
+        </p:nvPicPr>
+        <p:blipFill>
+          <a:blip r:embed="rId2"/>
+          <a:stretch>
+            <a:fillRect/>
+          </a:stretch>
+        </p:blipFill>
+        <p:spPr>
+          <a:xfrm>
+            <a:off x="2209800" y="1519238"/>
+            <a:ext cx="6646872" cy="4730548"/>
+          </a:xfrm>
+          <a:prstGeom prst="rect">
+            <a:avLst/>
+          </a:prstGeom>
+        </p:spPr>
+      </p:pic>
+    </p:spTree>
+    <p:extLst>
+      <p:ext uri="{BB962C8B-B14F-4D97-AF65-F5344CB8AC3E}">
+        <p14:creationId xmlns:p14="http://schemas.microsoft.com/office/powerpoint/2010/main" val="1860665166"/>
+      </p:ext>
+    </p:extLst>
+  </p:cSld>
+  <p:clrMapOvr>
+    <a:masterClrMapping/>
+  </p:clrMapOvr>
+</p:sld>
+</file>
+
+<file path=ppt/slides/slide9.xml><?xml version="1.0" encoding="utf-8"?>
+<p:sld xmlns:a="http://schemas.openxmlformats.org/drawingml/2006/main" xmlns:r="http://schemas.openxmlformats.org/officeDocument/2006/relationships" xmlns:p="http://schemas.openxmlformats.org/presentationml/2006/main">
+  <p:cSld>
+    <p:spTree>
+      <p:nvGrpSpPr>
+        <p:cNvPr id="1" name=""/>
+        <p:cNvGrpSpPr/>
+        <p:nvPr/>
+      </p:nvGrpSpPr>
+      <p:grpSpPr>
+        <a:xfrm>
+          <a:off x="0" y="0"/>
+          <a:ext cx="0" cy="0"/>
+          <a:chOff x="0" y="0"/>
+          <a:chExt cx="0" cy="0"/>
+        </a:xfrm>
+      </p:grpSpPr>
+      <p:sp>
+        <p:nvSpPr>
+          <p:cNvPr id="2" name="Titel 1">
+            <a:extLst>
+              <a:ext uri="{FF2B5EF4-FFF2-40B4-BE49-F238E27FC236}">
+                <a16:creationId xmlns:a16="http://schemas.microsoft.com/office/drawing/2014/main" id="{057C1A22-C3D5-4F7D-873C-57B9C4BA05FE}"/>
+              </a:ext>
+            </a:extLst>
+          </p:cNvPr>
+          <p:cNvSpPr>
+            <a:spLocks noGrp="1"/>
+          </p:cNvSpPr>
+          <p:nvPr>
+            <p:ph type="title"/>
+          </p:nvPr>
+        </p:nvSpPr>
+        <p:spPr/>
+        <p:txBody>
+          <a:bodyPr/>
+          <a:lstStyle/>
+          <a:p>
+            <a:r>
+              <a:rPr lang="de-DE" dirty="0"/>
+              <a:t>Zusammenhang der Attribute mit dem Hauspreis</a:t>
+            </a:r>
+          </a:p>
+        </p:txBody>
+      </p:sp>
+      <p:pic>
+        <p:nvPicPr>
+          <p:cNvPr id="4" name="Grafik 3">
+            <a:extLst>
+              <a:ext uri="{FF2B5EF4-FFF2-40B4-BE49-F238E27FC236}">
+                <a16:creationId xmlns:a16="http://schemas.microsoft.com/office/drawing/2014/main" id="{9DD86919-917C-40A4-BA9A-CEA8091FEAE0}"/>
+              </a:ext>
+            </a:extLst>
+          </p:cNvPr>
+          <p:cNvPicPr>
+            <a:picLocks noChangeAspect="1"/>
+          </p:cNvPicPr>
+          <p:nvPr/>
+        </p:nvPicPr>
+        <p:blipFill>
+          <a:blip r:embed="rId2"/>
+          <a:stretch>
+            <a:fillRect/>
+          </a:stretch>
+        </p:blipFill>
+        <p:spPr>
+          <a:xfrm>
+            <a:off x="1474265" y="2677103"/>
+            <a:ext cx="2583641" cy="3543845"/>
+          </a:xfrm>
+          <a:prstGeom prst="rect">
+            <a:avLst/>
+          </a:prstGeom>
+        </p:spPr>
+      </p:pic>
+      <p:sp>
+        <p:nvSpPr>
+          <p:cNvPr id="5" name="Textfeld 4">
+            <a:extLst>
+              <a:ext uri="{FF2B5EF4-FFF2-40B4-BE49-F238E27FC236}">
+                <a16:creationId xmlns:a16="http://schemas.microsoft.com/office/drawing/2014/main" id="{575EA1DB-5CD9-4074-983C-2E22D0C3C030}"/>
+              </a:ext>
+            </a:extLst>
+          </p:cNvPr>
+          <p:cNvSpPr txBox="1"/>
+          <p:nvPr/>
+        </p:nvSpPr>
+        <p:spPr>
+          <a:xfrm>
+            <a:off x="1293223" y="2199124"/>
+            <a:ext cx="2423420" cy="369332"/>
+          </a:xfrm>
+          <a:prstGeom prst="rect">
+            <a:avLst/>
+          </a:prstGeom>
+          <a:noFill/>
+        </p:spPr>
+        <p:txBody>
+          <a:bodyPr wrap="none" rtlCol="0">
+            <a:spAutoFit/>
+          </a:bodyPr>
+          <a:lstStyle/>
+          <a:p>
+            <a:r>
+              <a:rPr lang="de-DE" dirty="0"/>
+              <a:t>Korrelationen zum Preis</a:t>
+            </a:r>
+          </a:p>
+        </p:txBody>
+      </p:sp>
+      <p:pic>
+        <p:nvPicPr>
+          <p:cNvPr id="7" name="Grafik 6">
+            <a:extLst>
+              <a:ext uri="{FF2B5EF4-FFF2-40B4-BE49-F238E27FC236}">
+                <a16:creationId xmlns:a16="http://schemas.microsoft.com/office/drawing/2014/main" id="{6A2BF463-5ED2-4916-8C24-47959B310FC4}"/>
+              </a:ext>
+            </a:extLst>
+          </p:cNvPr>
+          <p:cNvPicPr>
+            <a:picLocks noChangeAspect="1"/>
+          </p:cNvPicPr>
+          <p:nvPr/>
+        </p:nvPicPr>
+        <p:blipFill>
+          <a:blip r:embed="rId3"/>
+          <a:stretch>
+            <a:fillRect/>
+          </a:stretch>
+        </p:blipFill>
+        <p:spPr>
+          <a:xfrm>
+            <a:off x="5308555" y="2266949"/>
+            <a:ext cx="3959941" cy="2676525"/>
+          </a:xfrm>
+          <a:prstGeom prst="rect">
+            <a:avLst/>
+          </a:prstGeom>
+        </p:spPr>
+      </p:pic>
+    </p:spTree>
+    <p:extLst>
+      <p:ext uri="{BB962C8B-B14F-4D97-AF65-F5344CB8AC3E}">
+        <p14:creationId xmlns:p14="http://schemas.microsoft.com/office/powerpoint/2010/main" val="3820326270"/>
       </p:ext>
     </p:extLst>
   </p:cSld>
